--- a/Презентация SushiSpot.pptx
+++ b/Презентация SushiSpot.pptx
@@ -114,6 +114,11 @@
       </a:defRPr>
     </a:lvl9pPr>
   </p:defaultTextStyle>
+  <p:extLst>
+    <p:ext uri="{EFAFB233-063F-42B5-8137-9DF3F51BA10A}">
+      <p15:sldGuideLst xmlns:p15="http://schemas.microsoft.com/office/powerpoint/2012/main"/>
+    </p:ext>
+  </p:extLst>
 </p:presentation>
 </file>
 
@@ -212,7 +217,7 @@
           <a:effectLst/>
           <a:extLst>
             <a:ext uri="{91240B29-F687-4f45-9708-019B960494DF}">
-              <a14:hiddenLine xmlns:a14="http://schemas.microsoft.com/office/drawing/2010/main" xmlns="" w="9525">
+              <a14:hiddenLine xmlns="" xmlns:a14="http://schemas.microsoft.com/office/drawing/2010/main" w="9525">
                 <a:solidFill>
                   <a:srgbClr val="000000"/>
                 </a:solidFill>
@@ -404,7 +409,7 @@
           <a:p>
             <a:fld id="{085B7B73-56F9-4DE2-99E3-7ADDE6CFA55B}" type="datetimeFigureOut">
               <a:rPr lang="ru-RU" smtClean="0"/>
-              <a:t>03.05.2024</a:t>
+              <a:t>04.05.2024</a:t>
             </a:fld>
             <a:endParaRPr lang="ru-RU"/>
           </a:p>
@@ -722,7 +727,7 @@
           <a:p>
             <a:fld id="{085B7B73-56F9-4DE2-99E3-7ADDE6CFA55B}" type="datetimeFigureOut">
               <a:rPr lang="ru-RU" smtClean="0"/>
-              <a:t>03.05.2024</a:t>
+              <a:t>04.05.2024</a:t>
             </a:fld>
             <a:endParaRPr lang="ru-RU"/>
           </a:p>
@@ -1210,7 +1215,7 @@
           <a:p>
             <a:fld id="{085B7B73-56F9-4DE2-99E3-7ADDE6CFA55B}" type="datetimeFigureOut">
               <a:rPr lang="ru-RU" smtClean="0"/>
-              <a:t>03.05.2024</a:t>
+              <a:t>04.05.2024</a:t>
             </a:fld>
             <a:endParaRPr lang="ru-RU"/>
           </a:p>
@@ -1579,7 +1584,7 @@
           <a:p>
             <a:fld id="{085B7B73-56F9-4DE2-99E3-7ADDE6CFA55B}" type="datetimeFigureOut">
               <a:rPr lang="ru-RU" smtClean="0"/>
-              <a:t>03.05.2024</a:t>
+              <a:t>04.05.2024</a:t>
             </a:fld>
             <a:endParaRPr lang="ru-RU"/>
           </a:p>
@@ -1734,7 +1739,7 @@
           <a:ln/>
           <a:extLst>
             <a:ext uri="{91240B29-F687-4f45-9708-019B960494DF}">
-              <a14:hiddenLine xmlns:a14="http://schemas.microsoft.com/office/drawing/2010/main" xmlns="" w="9525">
+              <a14:hiddenLine xmlns="" xmlns:a14="http://schemas.microsoft.com/office/drawing/2010/main" w="9525">
                 <a:solidFill>
                   <a:srgbClr val="000000"/>
                 </a:solidFill>
@@ -1852,7 +1857,7 @@
           <a:p>
             <a:fld id="{085B7B73-56F9-4DE2-99E3-7ADDE6CFA55B}" type="datetimeFigureOut">
               <a:rPr lang="ru-RU" smtClean="0"/>
-              <a:t>03.05.2024</a:t>
+              <a:t>04.05.2024</a:t>
             </a:fld>
             <a:endParaRPr lang="ru-RU"/>
           </a:p>
@@ -2009,7 +2014,7 @@
           <a:ln/>
           <a:extLst>
             <a:ext uri="{91240B29-F687-4f45-9708-019B960494DF}">
-              <a14:hiddenLine xmlns:a14="http://schemas.microsoft.com/office/drawing/2010/main" xmlns="" w="9525">
+              <a14:hiddenLine xmlns="" xmlns:a14="http://schemas.microsoft.com/office/drawing/2010/main" w="9525">
                 <a:solidFill>
                   <a:srgbClr val="000000"/>
                 </a:solidFill>
@@ -2137,7 +2142,7 @@
           <a:p>
             <a:fld id="{085B7B73-56F9-4DE2-99E3-7ADDE6CFA55B}" type="datetimeFigureOut">
               <a:rPr lang="ru-RU" smtClean="0"/>
-              <a:t>03.05.2024</a:t>
+              <a:t>04.05.2024</a:t>
             </a:fld>
             <a:endParaRPr lang="ru-RU"/>
           </a:p>
@@ -2292,7 +2297,7 @@
           <a:ln/>
           <a:extLst>
             <a:ext uri="{91240B29-F687-4f45-9708-019B960494DF}">
-              <a14:hiddenLine xmlns:a14="http://schemas.microsoft.com/office/drawing/2010/main" xmlns="" w="9525">
+              <a14:hiddenLine xmlns="" xmlns:a14="http://schemas.microsoft.com/office/drawing/2010/main" w="9525">
                 <a:solidFill>
                   <a:srgbClr val="000000"/>
                 </a:solidFill>
@@ -2420,7 +2425,7 @@
           <a:p>
             <a:fld id="{085B7B73-56F9-4DE2-99E3-7ADDE6CFA55B}" type="datetimeFigureOut">
               <a:rPr lang="ru-RU" smtClean="0"/>
-              <a:t>03.05.2024</a:t>
+              <a:t>04.05.2024</a:t>
             </a:fld>
             <a:endParaRPr lang="ru-RU"/>
           </a:p>
@@ -2763,7 +2768,7 @@
           <a:p>
             <a:fld id="{085B7B73-56F9-4DE2-99E3-7ADDE6CFA55B}" type="datetimeFigureOut">
               <a:rPr lang="ru-RU" smtClean="0"/>
-              <a:t>03.05.2024</a:t>
+              <a:t>04.05.2024</a:t>
             </a:fld>
             <a:endParaRPr lang="ru-RU"/>
           </a:p>
@@ -2918,7 +2923,7 @@
           <a:ln/>
           <a:extLst>
             <a:ext uri="{91240B29-F687-4f45-9708-019B960494DF}">
-              <a14:hiddenLine xmlns:a14="http://schemas.microsoft.com/office/drawing/2010/main" xmlns="" w="9525">
+              <a14:hiddenLine xmlns="" xmlns:a14="http://schemas.microsoft.com/office/drawing/2010/main" w="9525">
                 <a:solidFill>
                   <a:srgbClr val="000000"/>
                 </a:solidFill>
@@ -3102,7 +3107,7 @@
           <a:p>
             <a:fld id="{085B7B73-56F9-4DE2-99E3-7ADDE6CFA55B}" type="datetimeFigureOut">
               <a:rPr lang="ru-RU" smtClean="0"/>
-              <a:t>03.05.2024</a:t>
+              <a:t>04.05.2024</a:t>
             </a:fld>
             <a:endParaRPr lang="ru-RU"/>
           </a:p>
@@ -3257,7 +3262,7 @@
           <a:ln/>
           <a:extLst>
             <a:ext uri="{91240B29-F687-4f45-9708-019B960494DF}">
-              <a14:hiddenLine xmlns:a14="http://schemas.microsoft.com/office/drawing/2010/main" xmlns="" w="9525">
+              <a14:hiddenLine xmlns="" xmlns:a14="http://schemas.microsoft.com/office/drawing/2010/main" w="9525">
                 <a:solidFill>
                   <a:srgbClr val="000000"/>
                 </a:solidFill>
@@ -3579,7 +3584,7 @@
           <a:p>
             <a:fld id="{085B7B73-56F9-4DE2-99E3-7ADDE6CFA55B}" type="datetimeFigureOut">
               <a:rPr lang="ru-RU" smtClean="0"/>
-              <a:t>03.05.2024</a:t>
+              <a:t>04.05.2024</a:t>
             </a:fld>
             <a:endParaRPr lang="ru-RU"/>
           </a:p>
@@ -3734,7 +3739,7 @@
           <a:ln/>
           <a:extLst>
             <a:ext uri="{91240B29-F687-4f45-9708-019B960494DF}">
-              <a14:hiddenLine xmlns:a14="http://schemas.microsoft.com/office/drawing/2010/main" xmlns="" w="9525">
+              <a14:hiddenLine xmlns="" xmlns:a14="http://schemas.microsoft.com/office/drawing/2010/main" w="9525">
                 <a:solidFill>
                   <a:srgbClr val="000000"/>
                 </a:solidFill>
@@ -3800,7 +3805,7 @@
           <a:p>
             <a:fld id="{085B7B73-56F9-4DE2-99E3-7ADDE6CFA55B}" type="datetimeFigureOut">
               <a:rPr lang="ru-RU" smtClean="0"/>
-              <a:t>03.05.2024</a:t>
+              <a:t>04.05.2024</a:t>
             </a:fld>
             <a:endParaRPr lang="ru-RU"/>
           </a:p>
@@ -3895,7 +3900,7 @@
           <a:p>
             <a:fld id="{085B7B73-56F9-4DE2-99E3-7ADDE6CFA55B}" type="datetimeFigureOut">
               <a:rPr lang="ru-RU" smtClean="0"/>
-              <a:t>03.05.2024</a:t>
+              <a:t>04.05.2024</a:t>
             </a:fld>
             <a:endParaRPr lang="ru-RU"/>
           </a:p>
@@ -4163,7 +4168,7 @@
           <a:ln/>
           <a:extLst>
             <a:ext uri="{91240B29-F687-4f45-9708-019B960494DF}">
-              <a14:hiddenLine xmlns:a14="http://schemas.microsoft.com/office/drawing/2010/main" xmlns="" w="9525">
+              <a14:hiddenLine xmlns="" xmlns:a14="http://schemas.microsoft.com/office/drawing/2010/main" w="9525">
                 <a:solidFill>
                   <a:srgbClr val="000000"/>
                 </a:solidFill>
@@ -4362,7 +4367,7 @@
           <a:p>
             <a:fld id="{085B7B73-56F9-4DE2-99E3-7ADDE6CFA55B}" type="datetimeFigureOut">
               <a:rPr lang="ru-RU" smtClean="0"/>
-              <a:t>03.05.2024</a:t>
+              <a:t>04.05.2024</a:t>
             </a:fld>
             <a:endParaRPr lang="ru-RU"/>
           </a:p>
@@ -4675,7 +4680,7 @@
           <a:p>
             <a:fld id="{085B7B73-56F9-4DE2-99E3-7ADDE6CFA55B}" type="datetimeFigureOut">
               <a:rPr lang="ru-RU" smtClean="0"/>
-              <a:t>03.05.2024</a:t>
+              <a:t>04.05.2024</a:t>
             </a:fld>
             <a:endParaRPr lang="ru-RU"/>
           </a:p>
@@ -4945,7 +4950,7 @@
           <a:p>
             <a:fld id="{085B7B73-56F9-4DE2-99E3-7ADDE6CFA55B}" type="datetimeFigureOut">
               <a:rPr lang="ru-RU" smtClean="0"/>
-              <a:t>03.05.2024</a:t>
+              <a:t>04.05.2024</a:t>
             </a:fld>
             <a:endParaRPr lang="ru-RU"/>
           </a:p>
@@ -5766,32 +5771,66 @@
         </p:nvSpPr>
         <p:spPr>
           <a:xfrm>
-            <a:off x="739091" y="2521679"/>
-            <a:ext cx="10554574" cy="970450"/>
-          </a:xfrm>
-        </p:spPr>
-        <p:txBody>
-          <a:bodyPr/>
+            <a:off x="739091" y="2521678"/>
+            <a:ext cx="10554574" cy="3232007"/>
+          </a:xfrm>
+        </p:spPr>
+        <p:txBody>
+          <a:bodyPr>
+            <a:normAutofit fontScale="92500" lnSpcReduction="20000"/>
+          </a:bodyPr>
           <a:lstStyle/>
           <a:p>
-            <a:pPr marL="0" indent="0">
-              <a:buNone/>
-            </a:pPr>
-            <a:r>
-              <a:rPr lang="ru-RU" dirty="0">
+            <a:r>
+              <a:rPr lang="ru-RU" sz="3200" dirty="0">
                 <a:latin typeface="Franklin Gothic Medium" panose="020B0603020102020204" pitchFamily="34" charset="0"/>
               </a:rPr>
               <a:t>В результате курсовой работы был изучен принцип работы фреймворка </a:t>
             </a:r>
             <a:r>
-              <a:rPr lang="en-US" dirty="0">
+              <a:rPr lang="en-US" sz="3200" dirty="0">
                 <a:latin typeface="Franklin Gothic Medium" panose="020B0603020102020204" pitchFamily="34" charset="0"/>
               </a:rPr>
-              <a:t>Laravel, </a:t>
-            </a:r>
-            <a:endParaRPr lang="ru-RU" dirty="0">
+              <a:t>Laravel</a:t>
+            </a:r>
+            <a:r>
+              <a:rPr lang="ru-RU" sz="3200" dirty="0">
+                <a:latin typeface="Franklin Gothic Medium" panose="020B0603020102020204" pitchFamily="34" charset="0"/>
+              </a:rPr>
+              <a:t>.</a:t>
+            </a:r>
+            <a:br>
+              <a:rPr lang="ru-RU" sz="3200" dirty="0">
+                <a:latin typeface="Franklin Gothic Medium" panose="020B0603020102020204" pitchFamily="34" charset="0"/>
+              </a:rPr>
+            </a:br>
+            <a:endParaRPr lang="ru-RU" sz="3200" dirty="0">
               <a:latin typeface="Franklin Gothic Medium" panose="020B0603020102020204" pitchFamily="34" charset="0"/>
             </a:endParaRPr>
+          </a:p>
+          <a:p>
+            <a:r>
+              <a:rPr lang="ru-RU" sz="3200" dirty="0">
+                <a:latin typeface="Franklin Gothic Medium" panose="020B0603020102020204" pitchFamily="34" charset="0"/>
+              </a:rPr>
+              <a:t>Были прокачаны навыки в сфере разработки веб-приложений.</a:t>
+            </a:r>
+            <a:br>
+              <a:rPr lang="ru-RU" sz="3200" dirty="0">
+                <a:latin typeface="Franklin Gothic Medium" panose="020B0603020102020204" pitchFamily="34" charset="0"/>
+              </a:rPr>
+            </a:br>
+            <a:endParaRPr lang="ru-RU" sz="3200" dirty="0">
+              <a:latin typeface="Franklin Gothic Medium" panose="020B0603020102020204" pitchFamily="34" charset="0"/>
+            </a:endParaRPr>
+          </a:p>
+          <a:p>
+            <a:r>
+              <a:rPr lang="ru-RU" sz="3200" dirty="0">
+                <a:latin typeface="Franklin Gothic Medium" panose="020B0603020102020204" pitchFamily="34" charset="0"/>
+              </a:rPr>
+              <a:t>Повторно изучены базы данных.</a:t>
+            </a:r>
           </a:p>
         </p:txBody>
       </p:sp>
